--- a/AIO-SX-On-Equinix/Familiarization-of-StarlingX-Management.pptx
+++ b/AIO-SX-On-Equinix/Familiarization-of-StarlingX-Management.pptx
@@ -7,6 +7,15 @@
   <p:sldIdLst>
     <p:sldId id="256" r:id="rId2"/>
     <p:sldId id="257" r:id="rId3"/>
+    <p:sldId id="258" r:id="rId4"/>
+    <p:sldId id="259" r:id="rId5"/>
+    <p:sldId id="260" r:id="rId6"/>
+    <p:sldId id="261" r:id="rId7"/>
+    <p:sldId id="262" r:id="rId8"/>
+    <p:sldId id="263" r:id="rId9"/>
+    <p:sldId id="264" r:id="rId10"/>
+    <p:sldId id="265" r:id="rId11"/>
+    <p:sldId id="266" r:id="rId12"/>
   </p:sldIdLst>
   <p:sldSz cx="12192000" cy="6858000"/>
   <p:notesSz cx="6858000" cy="9144000"/>
@@ -3431,6 +3440,232 @@
 </p:sld>
 </file>
 
+<file path=ppt/slides/slide10.xml><?xml version="1.0" encoding="utf-8"?>
+<p:sld xmlns:a="http://schemas.openxmlformats.org/drawingml/2006/main" xmlns:r="http://schemas.openxmlformats.org/officeDocument/2006/relationships" xmlns:p="http://schemas.openxmlformats.org/presentationml/2006/main">
+  <p:cSld>
+    <p:spTree>
+      <p:nvGrpSpPr>
+        <p:cNvPr id="1" name=""/>
+        <p:cNvGrpSpPr/>
+        <p:nvPr/>
+      </p:nvGrpSpPr>
+      <p:grpSpPr>
+        <a:xfrm>
+          <a:off x="0" y="0"/>
+          <a:ext cx="0" cy="0"/>
+          <a:chOff x="0" y="0"/>
+          <a:chExt cx="0" cy="0"/>
+        </a:xfrm>
+      </p:grpSpPr>
+      <p:pic>
+        <p:nvPicPr>
+          <p:cNvPr id="2" name="Picture 1">
+            <a:extLst>
+              <a:ext uri="{FF2B5EF4-FFF2-40B4-BE49-F238E27FC236}">
+                <a16:creationId xmlns:a16="http://schemas.microsoft.com/office/drawing/2014/main" id="{BEB9EF12-36DB-C296-B000-4EEE686DA2E8}"/>
+              </a:ext>
+            </a:extLst>
+          </p:cNvPr>
+          <p:cNvPicPr>
+            <a:picLocks noChangeAspect="1"/>
+          </p:cNvPicPr>
+          <p:nvPr/>
+        </p:nvPicPr>
+        <p:blipFill>
+          <a:blip r:embed="rId2"/>
+          <a:stretch>
+            <a:fillRect/>
+          </a:stretch>
+        </p:blipFill>
+        <p:spPr>
+          <a:xfrm>
+            <a:off x="0" y="-1"/>
+            <a:ext cx="12246792" cy="2928257"/>
+          </a:xfrm>
+          <a:prstGeom prst="rect">
+            <a:avLst/>
+          </a:prstGeom>
+        </p:spPr>
+      </p:pic>
+    </p:spTree>
+    <p:extLst>
+      <p:ext uri="{BB962C8B-B14F-4D97-AF65-F5344CB8AC3E}">
+        <p14:creationId xmlns:p14="http://schemas.microsoft.com/office/powerpoint/2010/main" val="1583217236"/>
+      </p:ext>
+    </p:extLst>
+  </p:cSld>
+  <p:clrMapOvr>
+    <a:masterClrMapping/>
+  </p:clrMapOvr>
+</p:sld>
+</file>
+
+<file path=ppt/slides/slide11.xml><?xml version="1.0" encoding="utf-8"?>
+<p:sld xmlns:a="http://schemas.openxmlformats.org/drawingml/2006/main" xmlns:r="http://schemas.openxmlformats.org/officeDocument/2006/relationships" xmlns:p="http://schemas.openxmlformats.org/presentationml/2006/main">
+  <p:cSld>
+    <p:spTree>
+      <p:nvGrpSpPr>
+        <p:cNvPr id="1" name=""/>
+        <p:cNvGrpSpPr/>
+        <p:nvPr/>
+      </p:nvGrpSpPr>
+      <p:grpSpPr>
+        <a:xfrm>
+          <a:off x="0" y="0"/>
+          <a:ext cx="0" cy="0"/>
+          <a:chOff x="0" y="0"/>
+          <a:chExt cx="0" cy="0"/>
+        </a:xfrm>
+      </p:grpSpPr>
+      <p:pic>
+        <p:nvPicPr>
+          <p:cNvPr id="2" name="Picture 1">
+            <a:extLst>
+              <a:ext uri="{FF2B5EF4-FFF2-40B4-BE49-F238E27FC236}">
+                <a16:creationId xmlns:a16="http://schemas.microsoft.com/office/drawing/2014/main" id="{6BD689EF-73B2-60BC-0E23-4FDA64D937AF}"/>
+              </a:ext>
+            </a:extLst>
+          </p:cNvPr>
+          <p:cNvPicPr>
+            <a:picLocks noChangeAspect="1"/>
+          </p:cNvPicPr>
+          <p:nvPr/>
+        </p:nvPicPr>
+        <p:blipFill>
+          <a:blip r:embed="rId2"/>
+          <a:stretch>
+            <a:fillRect/>
+          </a:stretch>
+        </p:blipFill>
+        <p:spPr>
+          <a:xfrm>
+            <a:off x="1" y="-1"/>
+            <a:ext cx="12192000" cy="6554679"/>
+          </a:xfrm>
+          <a:prstGeom prst="rect">
+            <a:avLst/>
+          </a:prstGeom>
+        </p:spPr>
+      </p:pic>
+      <p:sp>
+        <p:nvSpPr>
+          <p:cNvPr id="3" name="Frame 2">
+            <a:extLst>
+              <a:ext uri="{FF2B5EF4-FFF2-40B4-BE49-F238E27FC236}">
+                <a16:creationId xmlns:a16="http://schemas.microsoft.com/office/drawing/2014/main" id="{3BD73A52-E211-2BA1-8C14-766B6F6EEC9C}"/>
+              </a:ext>
+            </a:extLst>
+          </p:cNvPr>
+          <p:cNvSpPr/>
+          <p:nvPr/>
+        </p:nvSpPr>
+        <p:spPr>
+          <a:xfrm>
+            <a:off x="1709057" y="2198914"/>
+            <a:ext cx="2177143" cy="391886"/>
+          </a:xfrm>
+          <a:prstGeom prst="frame">
+            <a:avLst/>
+          </a:prstGeom>
+          <a:solidFill>
+            <a:srgbClr val="685BC8"/>
+          </a:solidFill>
+        </p:spPr>
+        <p:style>
+          <a:lnRef idx="2">
+            <a:schemeClr val="accent1">
+              <a:shade val="15000"/>
+            </a:schemeClr>
+          </a:lnRef>
+          <a:fillRef idx="1">
+            <a:schemeClr val="accent1"/>
+          </a:fillRef>
+          <a:effectRef idx="0">
+            <a:schemeClr val="accent1"/>
+          </a:effectRef>
+          <a:fontRef idx="minor">
+            <a:schemeClr val="lt1"/>
+          </a:fontRef>
+        </p:style>
+        <p:txBody>
+          <a:bodyPr rtlCol="0" anchor="ctr"/>
+          <a:lstStyle/>
+          <a:p>
+            <a:pPr algn="ctr"/>
+            <a:endParaRPr lang="en-US">
+              <a:solidFill>
+                <a:schemeClr val="tx1"/>
+              </a:solidFill>
+            </a:endParaRPr>
+          </a:p>
+        </p:txBody>
+      </p:sp>
+      <p:sp>
+        <p:nvSpPr>
+          <p:cNvPr id="4" name="Frame 3">
+            <a:extLst>
+              <a:ext uri="{FF2B5EF4-FFF2-40B4-BE49-F238E27FC236}">
+                <a16:creationId xmlns:a16="http://schemas.microsoft.com/office/drawing/2014/main" id="{240A15B3-93BF-945A-BA5F-285C1D54357D}"/>
+              </a:ext>
+            </a:extLst>
+          </p:cNvPr>
+          <p:cNvSpPr/>
+          <p:nvPr/>
+        </p:nvSpPr>
+        <p:spPr>
+          <a:xfrm>
+            <a:off x="1709057" y="2590800"/>
+            <a:ext cx="2177143" cy="391886"/>
+          </a:xfrm>
+          <a:prstGeom prst="frame">
+            <a:avLst/>
+          </a:prstGeom>
+          <a:solidFill>
+            <a:srgbClr val="685BC8"/>
+          </a:solidFill>
+        </p:spPr>
+        <p:style>
+          <a:lnRef idx="2">
+            <a:schemeClr val="accent1">
+              <a:shade val="15000"/>
+            </a:schemeClr>
+          </a:lnRef>
+          <a:fillRef idx="1">
+            <a:schemeClr val="accent1"/>
+          </a:fillRef>
+          <a:effectRef idx="0">
+            <a:schemeClr val="accent1"/>
+          </a:effectRef>
+          <a:fontRef idx="minor">
+            <a:schemeClr val="lt1"/>
+          </a:fontRef>
+        </p:style>
+        <p:txBody>
+          <a:bodyPr rtlCol="0" anchor="ctr"/>
+          <a:lstStyle/>
+          <a:p>
+            <a:pPr algn="ctr"/>
+            <a:endParaRPr lang="en-US">
+              <a:solidFill>
+                <a:schemeClr val="tx1"/>
+              </a:solidFill>
+            </a:endParaRPr>
+          </a:p>
+        </p:txBody>
+      </p:sp>
+    </p:spTree>
+    <p:extLst>
+      <p:ext uri="{BB962C8B-B14F-4D97-AF65-F5344CB8AC3E}">
+        <p14:creationId xmlns:p14="http://schemas.microsoft.com/office/powerpoint/2010/main" val="3268126765"/>
+      </p:ext>
+    </p:extLst>
+  </p:cSld>
+  <p:clrMapOvr>
+    <a:masterClrMapping/>
+  </p:clrMapOvr>
+</p:sld>
+</file>
+
 <file path=ppt/slides/slide2.xml><?xml version="1.0" encoding="utf-8"?>
 <p:sld xmlns:a="http://schemas.openxmlformats.org/drawingml/2006/main" xmlns:r="http://schemas.openxmlformats.org/officeDocument/2006/relationships" xmlns:p="http://schemas.openxmlformats.org/presentationml/2006/main">
   <p:cSld>
@@ -3470,7 +3705,7 @@
         </p:blipFill>
         <p:spPr>
           <a:xfrm>
-            <a:off x="0" y="-1"/>
+            <a:off x="0" y="0"/>
             <a:ext cx="12192000" cy="4527611"/>
           </a:xfrm>
           <a:prstGeom prst="rect">
@@ -3478,10 +3713,1660 @@
           </a:prstGeom>
         </p:spPr>
       </p:pic>
+      <p:sp>
+        <p:nvSpPr>
+          <p:cNvPr id="3" name="Rounded Rectangle 2">
+            <a:extLst>
+              <a:ext uri="{FF2B5EF4-FFF2-40B4-BE49-F238E27FC236}">
+                <a16:creationId xmlns:a16="http://schemas.microsoft.com/office/drawing/2014/main" id="{D6BE484E-73E2-0DE8-77D5-FA72A3D41891}"/>
+              </a:ext>
+            </a:extLst>
+          </p:cNvPr>
+          <p:cNvSpPr/>
+          <p:nvPr/>
+        </p:nvSpPr>
+        <p:spPr>
+          <a:xfrm>
+            <a:off x="6313715" y="631371"/>
+            <a:ext cx="2982686" cy="261256"/>
+          </a:xfrm>
+          <a:prstGeom prst="roundRect">
+            <a:avLst/>
+          </a:prstGeom>
+          <a:solidFill>
+            <a:srgbClr val="685BC8"/>
+          </a:solidFill>
+        </p:spPr>
+        <p:style>
+          <a:lnRef idx="2">
+            <a:schemeClr val="accent1">
+              <a:shade val="15000"/>
+            </a:schemeClr>
+          </a:lnRef>
+          <a:fillRef idx="1">
+            <a:schemeClr val="accent1"/>
+          </a:fillRef>
+          <a:effectRef idx="0">
+            <a:schemeClr val="accent1"/>
+          </a:effectRef>
+          <a:fontRef idx="minor">
+            <a:schemeClr val="lt1"/>
+          </a:fontRef>
+        </p:style>
+        <p:txBody>
+          <a:bodyPr rtlCol="0" anchor="ctr"/>
+          <a:lstStyle/>
+          <a:p>
+            <a:pPr algn="ctr"/>
+            <a:r>
+              <a:rPr lang="en-US" dirty="0"/>
+              <a:t>Status of current alarms</a:t>
+            </a:r>
+          </a:p>
+        </p:txBody>
+      </p:sp>
+      <p:sp>
+        <p:nvSpPr>
+          <p:cNvPr id="4" name="Frame 3">
+            <a:extLst>
+              <a:ext uri="{FF2B5EF4-FFF2-40B4-BE49-F238E27FC236}">
+                <a16:creationId xmlns:a16="http://schemas.microsoft.com/office/drawing/2014/main" id="{CE4908D2-9971-B266-2145-736BF6B88FBE}"/>
+              </a:ext>
+            </a:extLst>
+          </p:cNvPr>
+          <p:cNvSpPr/>
+          <p:nvPr/>
+        </p:nvSpPr>
+        <p:spPr>
+          <a:xfrm>
+            <a:off x="9786257" y="293914"/>
+            <a:ext cx="1752600" cy="337457"/>
+          </a:xfrm>
+          <a:prstGeom prst="frame">
+            <a:avLst/>
+          </a:prstGeom>
+          <a:solidFill>
+            <a:srgbClr val="685BC8"/>
+          </a:solidFill>
+        </p:spPr>
+        <p:style>
+          <a:lnRef idx="2">
+            <a:schemeClr val="accent1">
+              <a:shade val="15000"/>
+            </a:schemeClr>
+          </a:lnRef>
+          <a:fillRef idx="1">
+            <a:schemeClr val="accent1"/>
+          </a:fillRef>
+          <a:effectRef idx="0">
+            <a:schemeClr val="accent1"/>
+          </a:effectRef>
+          <a:fontRef idx="minor">
+            <a:schemeClr val="lt1"/>
+          </a:fontRef>
+        </p:style>
+        <p:txBody>
+          <a:bodyPr rtlCol="0" anchor="ctr"/>
+          <a:lstStyle/>
+          <a:p>
+            <a:pPr algn="ctr"/>
+            <a:endParaRPr lang="en-US">
+              <a:solidFill>
+                <a:schemeClr val="tx1"/>
+              </a:solidFill>
+            </a:endParaRPr>
+          </a:p>
+        </p:txBody>
+      </p:sp>
+      <p:cxnSp>
+        <p:nvCxnSpPr>
+          <p:cNvPr id="6" name="Straight Arrow Connector 5">
+            <a:extLst>
+              <a:ext uri="{FF2B5EF4-FFF2-40B4-BE49-F238E27FC236}">
+                <a16:creationId xmlns:a16="http://schemas.microsoft.com/office/drawing/2014/main" id="{FD031254-D6BC-EDE5-0493-E6323D905AA5}"/>
+              </a:ext>
+            </a:extLst>
+          </p:cNvPr>
+          <p:cNvCxnSpPr>
+            <a:stCxn id="3" idx="3"/>
+            <a:endCxn id="4" idx="1"/>
+          </p:cNvCxnSpPr>
+          <p:nvPr/>
+        </p:nvCxnSpPr>
+        <p:spPr>
+          <a:xfrm flipV="1">
+            <a:off x="9296401" y="462643"/>
+            <a:ext cx="489856" cy="299356"/>
+          </a:xfrm>
+          <a:prstGeom prst="straightConnector1">
+            <a:avLst/>
+          </a:prstGeom>
+          <a:ln>
+            <a:solidFill>
+              <a:srgbClr val="685BC8"/>
+            </a:solidFill>
+            <a:tailEnd type="triangle"/>
+          </a:ln>
+        </p:spPr>
+        <p:style>
+          <a:lnRef idx="1">
+            <a:schemeClr val="accent1"/>
+          </a:lnRef>
+          <a:fillRef idx="0">
+            <a:schemeClr val="accent1"/>
+          </a:fillRef>
+          <a:effectRef idx="0">
+            <a:schemeClr val="accent1"/>
+          </a:effectRef>
+          <a:fontRef idx="minor">
+            <a:schemeClr val="tx1"/>
+          </a:fontRef>
+        </p:style>
+      </p:cxnSp>
+      <p:sp>
+        <p:nvSpPr>
+          <p:cNvPr id="8" name="Rounded Rectangle 7">
+            <a:extLst>
+              <a:ext uri="{FF2B5EF4-FFF2-40B4-BE49-F238E27FC236}">
+                <a16:creationId xmlns:a16="http://schemas.microsoft.com/office/drawing/2014/main" id="{5163C85D-E831-9A64-4EB1-80D09063ACD7}"/>
+              </a:ext>
+            </a:extLst>
+          </p:cNvPr>
+          <p:cNvSpPr/>
+          <p:nvPr/>
+        </p:nvSpPr>
+        <p:spPr>
+          <a:xfrm>
+            <a:off x="4604657" y="4527611"/>
+            <a:ext cx="2982686" cy="261256"/>
+          </a:xfrm>
+          <a:prstGeom prst="roundRect">
+            <a:avLst/>
+          </a:prstGeom>
+          <a:solidFill>
+            <a:srgbClr val="685BC8"/>
+          </a:solidFill>
+        </p:spPr>
+        <p:style>
+          <a:lnRef idx="2">
+            <a:schemeClr val="accent1">
+              <a:shade val="15000"/>
+            </a:schemeClr>
+          </a:lnRef>
+          <a:fillRef idx="1">
+            <a:schemeClr val="accent1"/>
+          </a:fillRef>
+          <a:effectRef idx="0">
+            <a:schemeClr val="accent1"/>
+          </a:effectRef>
+          <a:fontRef idx="minor">
+            <a:schemeClr val="lt1"/>
+          </a:fontRef>
+        </p:style>
+        <p:txBody>
+          <a:bodyPr rtlCol="0" anchor="ctr"/>
+          <a:lstStyle/>
+          <a:p>
+            <a:pPr algn="ctr"/>
+            <a:r>
+              <a:rPr lang="en-US" dirty="0"/>
+              <a:t>List of Hosts and status</a:t>
+            </a:r>
+          </a:p>
+        </p:txBody>
+      </p:sp>
+      <p:sp>
+        <p:nvSpPr>
+          <p:cNvPr id="9" name="Frame 8">
+            <a:extLst>
+              <a:ext uri="{FF2B5EF4-FFF2-40B4-BE49-F238E27FC236}">
+                <a16:creationId xmlns:a16="http://schemas.microsoft.com/office/drawing/2014/main" id="{D1E67A00-B8CB-2B03-6F0C-76B7A6043311}"/>
+              </a:ext>
+            </a:extLst>
+          </p:cNvPr>
+          <p:cNvSpPr/>
+          <p:nvPr/>
+        </p:nvSpPr>
+        <p:spPr>
+          <a:xfrm>
+            <a:off x="1741714" y="2732314"/>
+            <a:ext cx="10450286" cy="827315"/>
+          </a:xfrm>
+          <a:prstGeom prst="frame">
+            <a:avLst/>
+          </a:prstGeom>
+          <a:solidFill>
+            <a:srgbClr val="685BC8"/>
+          </a:solidFill>
+        </p:spPr>
+        <p:style>
+          <a:lnRef idx="2">
+            <a:schemeClr val="accent1">
+              <a:shade val="15000"/>
+            </a:schemeClr>
+          </a:lnRef>
+          <a:fillRef idx="1">
+            <a:schemeClr val="accent1"/>
+          </a:fillRef>
+          <a:effectRef idx="0">
+            <a:schemeClr val="accent1"/>
+          </a:effectRef>
+          <a:fontRef idx="minor">
+            <a:schemeClr val="lt1"/>
+          </a:fontRef>
+        </p:style>
+        <p:txBody>
+          <a:bodyPr rtlCol="0" anchor="ctr"/>
+          <a:lstStyle/>
+          <a:p>
+            <a:pPr algn="ctr"/>
+            <a:endParaRPr lang="en-US">
+              <a:solidFill>
+                <a:schemeClr val="tx1"/>
+              </a:solidFill>
+            </a:endParaRPr>
+          </a:p>
+        </p:txBody>
+      </p:sp>
+      <p:cxnSp>
+        <p:nvCxnSpPr>
+          <p:cNvPr id="11" name="Straight Arrow Connector 10">
+            <a:extLst>
+              <a:ext uri="{FF2B5EF4-FFF2-40B4-BE49-F238E27FC236}">
+                <a16:creationId xmlns:a16="http://schemas.microsoft.com/office/drawing/2014/main" id="{26DBBB38-A5AA-168A-D1ED-6B32C197B13B}"/>
+              </a:ext>
+            </a:extLst>
+          </p:cNvPr>
+          <p:cNvCxnSpPr>
+            <a:stCxn id="2" idx="2"/>
+          </p:cNvCxnSpPr>
+          <p:nvPr/>
+        </p:nvCxnSpPr>
+        <p:spPr>
+          <a:xfrm flipV="1">
+            <a:off x="6096000" y="3570514"/>
+            <a:ext cx="816429" cy="957097"/>
+          </a:xfrm>
+          <a:prstGeom prst="straightConnector1">
+            <a:avLst/>
+          </a:prstGeom>
+          <a:ln>
+            <a:solidFill>
+              <a:srgbClr val="685BC8"/>
+            </a:solidFill>
+            <a:tailEnd type="triangle"/>
+          </a:ln>
+        </p:spPr>
+        <p:style>
+          <a:lnRef idx="1">
+            <a:schemeClr val="accent1"/>
+          </a:lnRef>
+          <a:fillRef idx="0">
+            <a:schemeClr val="accent1"/>
+          </a:fillRef>
+          <a:effectRef idx="0">
+            <a:schemeClr val="accent1"/>
+          </a:effectRef>
+          <a:fontRef idx="minor">
+            <a:schemeClr val="tx1"/>
+          </a:fontRef>
+        </p:style>
+      </p:cxnSp>
     </p:spTree>
     <p:extLst>
       <p:ext uri="{BB962C8B-B14F-4D97-AF65-F5344CB8AC3E}">
         <p14:creationId xmlns:p14="http://schemas.microsoft.com/office/powerpoint/2010/main" val="3040398426"/>
+      </p:ext>
+    </p:extLst>
+  </p:cSld>
+  <p:clrMapOvr>
+    <a:masterClrMapping/>
+  </p:clrMapOvr>
+</p:sld>
+</file>
+
+<file path=ppt/slides/slide3.xml><?xml version="1.0" encoding="utf-8"?>
+<p:sld xmlns:a="http://schemas.openxmlformats.org/drawingml/2006/main" xmlns:r="http://schemas.openxmlformats.org/officeDocument/2006/relationships" xmlns:p="http://schemas.openxmlformats.org/presentationml/2006/main">
+  <p:cSld>
+    <p:spTree>
+      <p:nvGrpSpPr>
+        <p:cNvPr id="1" name=""/>
+        <p:cNvGrpSpPr/>
+        <p:nvPr/>
+      </p:nvGrpSpPr>
+      <p:grpSpPr>
+        <a:xfrm>
+          <a:off x="0" y="0"/>
+          <a:ext cx="0" cy="0"/>
+          <a:chOff x="0" y="0"/>
+          <a:chExt cx="0" cy="0"/>
+        </a:xfrm>
+      </p:grpSpPr>
+      <p:pic>
+        <p:nvPicPr>
+          <p:cNvPr id="2" name="Picture 1">
+            <a:extLst>
+              <a:ext uri="{FF2B5EF4-FFF2-40B4-BE49-F238E27FC236}">
+                <a16:creationId xmlns:a16="http://schemas.microsoft.com/office/drawing/2014/main" id="{08FAEDF2-49E5-45EB-BE9F-84AC7B7AF126}"/>
+              </a:ext>
+            </a:extLst>
+          </p:cNvPr>
+          <p:cNvPicPr>
+            <a:picLocks noChangeAspect="1"/>
+          </p:cNvPicPr>
+          <p:nvPr/>
+        </p:nvPicPr>
+        <p:blipFill>
+          <a:blip r:embed="rId2"/>
+          <a:stretch>
+            <a:fillRect/>
+          </a:stretch>
+        </p:blipFill>
+        <p:spPr>
+          <a:xfrm>
+            <a:off x="1273629" y="1464719"/>
+            <a:ext cx="7772400" cy="815248"/>
+          </a:xfrm>
+          <a:prstGeom prst="rect">
+            <a:avLst/>
+          </a:prstGeom>
+        </p:spPr>
+      </p:pic>
+      <p:cxnSp>
+        <p:nvCxnSpPr>
+          <p:cNvPr id="4" name="Straight Arrow Connector 3">
+            <a:extLst>
+              <a:ext uri="{FF2B5EF4-FFF2-40B4-BE49-F238E27FC236}">
+                <a16:creationId xmlns:a16="http://schemas.microsoft.com/office/drawing/2014/main" id="{F17F4529-C079-8936-E6AA-30EF34BE0C0B}"/>
+              </a:ext>
+            </a:extLst>
+          </p:cNvPr>
+          <p:cNvCxnSpPr/>
+          <p:nvPr/>
+        </p:nvCxnSpPr>
+        <p:spPr>
+          <a:xfrm flipH="1" flipV="1">
+            <a:off x="1872343" y="2068286"/>
+            <a:ext cx="511628" cy="555171"/>
+          </a:xfrm>
+          <a:prstGeom prst="straightConnector1">
+            <a:avLst/>
+          </a:prstGeom>
+          <a:ln>
+            <a:solidFill>
+              <a:srgbClr val="685BC8"/>
+            </a:solidFill>
+            <a:tailEnd type="triangle"/>
+          </a:ln>
+        </p:spPr>
+        <p:style>
+          <a:lnRef idx="1">
+            <a:schemeClr val="accent1"/>
+          </a:lnRef>
+          <a:fillRef idx="0">
+            <a:schemeClr val="accent1"/>
+          </a:fillRef>
+          <a:effectRef idx="0">
+            <a:schemeClr val="accent1"/>
+          </a:effectRef>
+          <a:fontRef idx="minor">
+            <a:schemeClr val="tx1"/>
+          </a:fontRef>
+        </p:style>
+      </p:cxnSp>
+    </p:spTree>
+    <p:extLst>
+      <p:ext uri="{BB962C8B-B14F-4D97-AF65-F5344CB8AC3E}">
+        <p14:creationId xmlns:p14="http://schemas.microsoft.com/office/powerpoint/2010/main" val="1662745599"/>
+      </p:ext>
+    </p:extLst>
+  </p:cSld>
+  <p:clrMapOvr>
+    <a:masterClrMapping/>
+  </p:clrMapOvr>
+</p:sld>
+</file>
+
+<file path=ppt/slides/slide4.xml><?xml version="1.0" encoding="utf-8"?>
+<p:sld xmlns:a="http://schemas.openxmlformats.org/drawingml/2006/main" xmlns:r="http://schemas.openxmlformats.org/officeDocument/2006/relationships" xmlns:p="http://schemas.openxmlformats.org/presentationml/2006/main">
+  <p:cSld>
+    <p:spTree>
+      <p:nvGrpSpPr>
+        <p:cNvPr id="1" name=""/>
+        <p:cNvGrpSpPr/>
+        <p:nvPr/>
+      </p:nvGrpSpPr>
+      <p:grpSpPr>
+        <a:xfrm>
+          <a:off x="0" y="0"/>
+          <a:ext cx="0" cy="0"/>
+          <a:chOff x="0" y="0"/>
+          <a:chExt cx="0" cy="0"/>
+        </a:xfrm>
+      </p:grpSpPr>
+      <p:pic>
+        <p:nvPicPr>
+          <p:cNvPr id="2" name="Picture 1">
+            <a:extLst>
+              <a:ext uri="{FF2B5EF4-FFF2-40B4-BE49-F238E27FC236}">
+                <a16:creationId xmlns:a16="http://schemas.microsoft.com/office/drawing/2014/main" id="{BCD9A17E-797D-E213-CBD0-D431517FC439}"/>
+              </a:ext>
+            </a:extLst>
+          </p:cNvPr>
+          <p:cNvPicPr>
+            <a:picLocks noChangeAspect="1"/>
+          </p:cNvPicPr>
+          <p:nvPr/>
+        </p:nvPicPr>
+        <p:blipFill>
+          <a:blip r:embed="rId2"/>
+          <a:stretch>
+            <a:fillRect/>
+          </a:stretch>
+        </p:blipFill>
+        <p:spPr>
+          <a:xfrm>
+            <a:off x="1730829" y="45787"/>
+            <a:ext cx="8251371" cy="6395202"/>
+          </a:xfrm>
+          <a:prstGeom prst="rect">
+            <a:avLst/>
+          </a:prstGeom>
+        </p:spPr>
+      </p:pic>
+      <p:sp>
+        <p:nvSpPr>
+          <p:cNvPr id="3" name="Rounded Rectangle 2">
+            <a:extLst>
+              <a:ext uri="{FF2B5EF4-FFF2-40B4-BE49-F238E27FC236}">
+                <a16:creationId xmlns:a16="http://schemas.microsoft.com/office/drawing/2014/main" id="{7924A139-C953-B002-80BA-105671020251}"/>
+              </a:ext>
+            </a:extLst>
+          </p:cNvPr>
+          <p:cNvSpPr/>
+          <p:nvPr/>
+        </p:nvSpPr>
+        <p:spPr>
+          <a:xfrm>
+            <a:off x="7434943" y="3755571"/>
+            <a:ext cx="2253343" cy="664029"/>
+          </a:xfrm>
+          <a:prstGeom prst="roundRect">
+            <a:avLst/>
+          </a:prstGeom>
+          <a:solidFill>
+            <a:srgbClr val="685BC8"/>
+          </a:solidFill>
+        </p:spPr>
+        <p:style>
+          <a:lnRef idx="2">
+            <a:schemeClr val="accent1">
+              <a:shade val="15000"/>
+            </a:schemeClr>
+          </a:lnRef>
+          <a:fillRef idx="1">
+            <a:schemeClr val="accent1"/>
+          </a:fillRef>
+          <a:effectRef idx="0">
+            <a:schemeClr val="accent1"/>
+          </a:effectRef>
+          <a:fontRef idx="minor">
+            <a:schemeClr val="lt1"/>
+          </a:fontRef>
+        </p:style>
+        <p:txBody>
+          <a:bodyPr rtlCol="0" anchor="ctr"/>
+          <a:lstStyle/>
+          <a:p>
+            <a:pPr algn="ctr"/>
+            <a:r>
+              <a:rPr lang="en-US" dirty="0"/>
+              <a:t>General overview info</a:t>
+            </a:r>
+          </a:p>
+        </p:txBody>
+      </p:sp>
+      <p:sp>
+        <p:nvSpPr>
+          <p:cNvPr id="4" name="Right Brace 3">
+            <a:extLst>
+              <a:ext uri="{FF2B5EF4-FFF2-40B4-BE49-F238E27FC236}">
+                <a16:creationId xmlns:a16="http://schemas.microsoft.com/office/drawing/2014/main" id="{7D5476E6-1154-9A0C-EDD8-6A704A506C6A}"/>
+              </a:ext>
+            </a:extLst>
+          </p:cNvPr>
+          <p:cNvSpPr/>
+          <p:nvPr/>
+        </p:nvSpPr>
+        <p:spPr>
+          <a:xfrm>
+            <a:off x="6096000" y="1926771"/>
+            <a:ext cx="1338943" cy="4514218"/>
+          </a:xfrm>
+          <a:prstGeom prst="rightBrace">
+            <a:avLst/>
+          </a:prstGeom>
+          <a:ln>
+            <a:solidFill>
+              <a:srgbClr val="685BC8"/>
+            </a:solidFill>
+          </a:ln>
+        </p:spPr>
+        <p:style>
+          <a:lnRef idx="1">
+            <a:schemeClr val="accent1"/>
+          </a:lnRef>
+          <a:fillRef idx="0">
+            <a:schemeClr val="accent1"/>
+          </a:fillRef>
+          <a:effectRef idx="0">
+            <a:schemeClr val="accent1"/>
+          </a:effectRef>
+          <a:fontRef idx="minor">
+            <a:schemeClr val="tx1"/>
+          </a:fontRef>
+        </p:style>
+        <p:txBody>
+          <a:bodyPr rtlCol="0" anchor="ctr"/>
+          <a:lstStyle/>
+          <a:p>
+            <a:pPr algn="ctr"/>
+            <a:endParaRPr lang="en-US"/>
+          </a:p>
+        </p:txBody>
+      </p:sp>
+      <p:sp>
+        <p:nvSpPr>
+          <p:cNvPr id="5" name="Rounded Rectangle 4">
+            <a:extLst>
+              <a:ext uri="{FF2B5EF4-FFF2-40B4-BE49-F238E27FC236}">
+                <a16:creationId xmlns:a16="http://schemas.microsoft.com/office/drawing/2014/main" id="{DF663A1C-68CF-9A48-F269-E7C62FB3E5E6}"/>
+              </a:ext>
+            </a:extLst>
+          </p:cNvPr>
+          <p:cNvSpPr/>
+          <p:nvPr/>
+        </p:nvSpPr>
+        <p:spPr>
+          <a:xfrm>
+            <a:off x="8643257" y="1734182"/>
+            <a:ext cx="2253343" cy="664029"/>
+          </a:xfrm>
+          <a:prstGeom prst="roundRect">
+            <a:avLst/>
+          </a:prstGeom>
+          <a:solidFill>
+            <a:srgbClr val="685BC8"/>
+          </a:solidFill>
+        </p:spPr>
+        <p:style>
+          <a:lnRef idx="2">
+            <a:schemeClr val="accent1">
+              <a:shade val="15000"/>
+            </a:schemeClr>
+          </a:lnRef>
+          <a:fillRef idx="1">
+            <a:schemeClr val="accent1"/>
+          </a:fillRef>
+          <a:effectRef idx="0">
+            <a:schemeClr val="accent1"/>
+          </a:effectRef>
+          <a:fontRef idx="minor">
+            <a:schemeClr val="lt1"/>
+          </a:fontRef>
+        </p:style>
+        <p:txBody>
+          <a:bodyPr rtlCol="0" anchor="ctr"/>
+          <a:lstStyle/>
+          <a:p>
+            <a:pPr algn="ctr"/>
+            <a:r>
+              <a:rPr lang="en-US" dirty="0"/>
+              <a:t>Click and explore other tabs</a:t>
+            </a:r>
+          </a:p>
+        </p:txBody>
+      </p:sp>
+      <p:cxnSp>
+        <p:nvCxnSpPr>
+          <p:cNvPr id="7" name="Straight Arrow Connector 6">
+            <a:extLst>
+              <a:ext uri="{FF2B5EF4-FFF2-40B4-BE49-F238E27FC236}">
+                <a16:creationId xmlns:a16="http://schemas.microsoft.com/office/drawing/2014/main" id="{24EF798F-83BC-4784-BA52-32042994A181}"/>
+              </a:ext>
+            </a:extLst>
+          </p:cNvPr>
+          <p:cNvCxnSpPr>
+            <a:stCxn id="5" idx="1"/>
+          </p:cNvCxnSpPr>
+          <p:nvPr/>
+        </p:nvCxnSpPr>
+        <p:spPr>
+          <a:xfrm flipH="1" flipV="1">
+            <a:off x="3298371" y="1306286"/>
+            <a:ext cx="5344886" cy="759911"/>
+          </a:xfrm>
+          <a:prstGeom prst="straightConnector1">
+            <a:avLst/>
+          </a:prstGeom>
+          <a:ln>
+            <a:solidFill>
+              <a:srgbClr val="685BC8"/>
+            </a:solidFill>
+            <a:tailEnd type="triangle"/>
+          </a:ln>
+        </p:spPr>
+        <p:style>
+          <a:lnRef idx="1">
+            <a:schemeClr val="accent1"/>
+          </a:lnRef>
+          <a:fillRef idx="0">
+            <a:schemeClr val="accent1"/>
+          </a:fillRef>
+          <a:effectRef idx="0">
+            <a:schemeClr val="accent1"/>
+          </a:effectRef>
+          <a:fontRef idx="minor">
+            <a:schemeClr val="tx1"/>
+          </a:fontRef>
+        </p:style>
+      </p:cxnSp>
+      <p:cxnSp>
+        <p:nvCxnSpPr>
+          <p:cNvPr id="8" name="Straight Arrow Connector 7">
+            <a:extLst>
+              <a:ext uri="{FF2B5EF4-FFF2-40B4-BE49-F238E27FC236}">
+                <a16:creationId xmlns:a16="http://schemas.microsoft.com/office/drawing/2014/main" id="{1AE6E98C-0CB1-66DE-8D7B-3ADC2ECF0953}"/>
+              </a:ext>
+            </a:extLst>
+          </p:cNvPr>
+          <p:cNvCxnSpPr>
+            <a:cxnSpLocks/>
+          </p:cNvCxnSpPr>
+          <p:nvPr/>
+        </p:nvCxnSpPr>
+        <p:spPr>
+          <a:xfrm flipH="1" flipV="1">
+            <a:off x="4005943" y="1306286"/>
+            <a:ext cx="4637314" cy="759910"/>
+          </a:xfrm>
+          <a:prstGeom prst="straightConnector1">
+            <a:avLst/>
+          </a:prstGeom>
+          <a:ln>
+            <a:solidFill>
+              <a:srgbClr val="685BC8"/>
+            </a:solidFill>
+            <a:tailEnd type="triangle"/>
+          </a:ln>
+        </p:spPr>
+        <p:style>
+          <a:lnRef idx="1">
+            <a:schemeClr val="accent1"/>
+          </a:lnRef>
+          <a:fillRef idx="0">
+            <a:schemeClr val="accent1"/>
+          </a:fillRef>
+          <a:effectRef idx="0">
+            <a:schemeClr val="accent1"/>
+          </a:effectRef>
+          <a:fontRef idx="minor">
+            <a:schemeClr val="tx1"/>
+          </a:fontRef>
+        </p:style>
+      </p:cxnSp>
+      <p:cxnSp>
+        <p:nvCxnSpPr>
+          <p:cNvPr id="11" name="Straight Arrow Connector 10">
+            <a:extLst>
+              <a:ext uri="{FF2B5EF4-FFF2-40B4-BE49-F238E27FC236}">
+                <a16:creationId xmlns:a16="http://schemas.microsoft.com/office/drawing/2014/main" id="{1C7C27EF-8222-1245-3147-2383E72C2342}"/>
+              </a:ext>
+            </a:extLst>
+          </p:cNvPr>
+          <p:cNvCxnSpPr>
+            <a:cxnSpLocks/>
+            <a:stCxn id="5" idx="1"/>
+          </p:cNvCxnSpPr>
+          <p:nvPr/>
+        </p:nvCxnSpPr>
+        <p:spPr>
+          <a:xfrm flipH="1" flipV="1">
+            <a:off x="5366657" y="1306285"/>
+            <a:ext cx="3276600" cy="759912"/>
+          </a:xfrm>
+          <a:prstGeom prst="straightConnector1">
+            <a:avLst/>
+          </a:prstGeom>
+          <a:ln>
+            <a:solidFill>
+              <a:srgbClr val="685BC8"/>
+            </a:solidFill>
+            <a:tailEnd type="triangle"/>
+          </a:ln>
+        </p:spPr>
+        <p:style>
+          <a:lnRef idx="1">
+            <a:schemeClr val="accent1"/>
+          </a:lnRef>
+          <a:fillRef idx="0">
+            <a:schemeClr val="accent1"/>
+          </a:fillRef>
+          <a:effectRef idx="0">
+            <a:schemeClr val="accent1"/>
+          </a:effectRef>
+          <a:fontRef idx="minor">
+            <a:schemeClr val="tx1"/>
+          </a:fontRef>
+        </p:style>
+      </p:cxnSp>
+    </p:spTree>
+    <p:extLst>
+      <p:ext uri="{BB962C8B-B14F-4D97-AF65-F5344CB8AC3E}">
+        <p14:creationId xmlns:p14="http://schemas.microsoft.com/office/powerpoint/2010/main" val="29251457"/>
+      </p:ext>
+    </p:extLst>
+  </p:cSld>
+  <p:clrMapOvr>
+    <a:masterClrMapping/>
+  </p:clrMapOvr>
+</p:sld>
+</file>
+
+<file path=ppt/slides/slide5.xml><?xml version="1.0" encoding="utf-8"?>
+<p:sld xmlns:a="http://schemas.openxmlformats.org/drawingml/2006/main" xmlns:r="http://schemas.openxmlformats.org/officeDocument/2006/relationships" xmlns:p="http://schemas.openxmlformats.org/presentationml/2006/main">
+  <p:cSld>
+    <p:spTree>
+      <p:nvGrpSpPr>
+        <p:cNvPr id="1" name=""/>
+        <p:cNvGrpSpPr/>
+        <p:nvPr/>
+      </p:nvGrpSpPr>
+      <p:grpSpPr>
+        <a:xfrm>
+          <a:off x="0" y="0"/>
+          <a:ext cx="0" cy="0"/>
+          <a:chOff x="0" y="0"/>
+          <a:chExt cx="0" cy="0"/>
+        </a:xfrm>
+      </p:grpSpPr>
+      <p:pic>
+        <p:nvPicPr>
+          <p:cNvPr id="2" name="Picture 1">
+            <a:extLst>
+              <a:ext uri="{FF2B5EF4-FFF2-40B4-BE49-F238E27FC236}">
+                <a16:creationId xmlns:a16="http://schemas.microsoft.com/office/drawing/2014/main" id="{FEF2480F-5628-7459-9489-CA005A536806}"/>
+              </a:ext>
+            </a:extLst>
+          </p:cNvPr>
+          <p:cNvPicPr>
+            <a:picLocks noChangeAspect="1"/>
+          </p:cNvPicPr>
+          <p:nvPr/>
+        </p:nvPicPr>
+        <p:blipFill>
+          <a:blip r:embed="rId2"/>
+          <a:stretch>
+            <a:fillRect/>
+          </a:stretch>
+        </p:blipFill>
+        <p:spPr>
+          <a:xfrm>
+            <a:off x="0" y="0"/>
+            <a:ext cx="12208186" cy="4158343"/>
+          </a:xfrm>
+          <a:prstGeom prst="rect">
+            <a:avLst/>
+          </a:prstGeom>
+        </p:spPr>
+      </p:pic>
+      <p:sp>
+        <p:nvSpPr>
+          <p:cNvPr id="4" name="Rounded Rectangle 3">
+            <a:extLst>
+              <a:ext uri="{FF2B5EF4-FFF2-40B4-BE49-F238E27FC236}">
+                <a16:creationId xmlns:a16="http://schemas.microsoft.com/office/drawing/2014/main" id="{3F6DA361-7A65-2DDF-CC7D-F10BBDC14064}"/>
+              </a:ext>
+            </a:extLst>
+          </p:cNvPr>
+          <p:cNvSpPr/>
+          <p:nvPr/>
+        </p:nvSpPr>
+        <p:spPr>
+          <a:xfrm>
+            <a:off x="1796143" y="3429000"/>
+            <a:ext cx="2253343" cy="664029"/>
+          </a:xfrm>
+          <a:prstGeom prst="roundRect">
+            <a:avLst/>
+          </a:prstGeom>
+          <a:solidFill>
+            <a:srgbClr val="685BC8"/>
+          </a:solidFill>
+        </p:spPr>
+        <p:style>
+          <a:lnRef idx="2">
+            <a:schemeClr val="accent1">
+              <a:shade val="15000"/>
+            </a:schemeClr>
+          </a:lnRef>
+          <a:fillRef idx="1">
+            <a:schemeClr val="accent1"/>
+          </a:fillRef>
+          <a:effectRef idx="0">
+            <a:schemeClr val="accent1"/>
+          </a:effectRef>
+          <a:fontRef idx="minor">
+            <a:schemeClr val="lt1"/>
+          </a:fontRef>
+        </p:style>
+        <p:txBody>
+          <a:bodyPr rtlCol="0" anchor="ctr"/>
+          <a:lstStyle/>
+          <a:p>
+            <a:pPr algn="ctr"/>
+            <a:r>
+              <a:rPr lang="en-US" dirty="0"/>
+              <a:t>Click on System Configuration</a:t>
+            </a:r>
+          </a:p>
+        </p:txBody>
+      </p:sp>
+      <p:cxnSp>
+        <p:nvCxnSpPr>
+          <p:cNvPr id="6" name="Straight Arrow Connector 5">
+            <a:extLst>
+              <a:ext uri="{FF2B5EF4-FFF2-40B4-BE49-F238E27FC236}">
+                <a16:creationId xmlns:a16="http://schemas.microsoft.com/office/drawing/2014/main" id="{E94E4B72-7346-9858-4772-DFD60091630B}"/>
+              </a:ext>
+            </a:extLst>
+          </p:cNvPr>
+          <p:cNvCxnSpPr>
+            <a:stCxn id="4" idx="0"/>
+          </p:cNvCxnSpPr>
+          <p:nvPr/>
+        </p:nvCxnSpPr>
+        <p:spPr>
+          <a:xfrm flipH="1" flipV="1">
+            <a:off x="1611086" y="2710543"/>
+            <a:ext cx="1311729" cy="718457"/>
+          </a:xfrm>
+          <a:prstGeom prst="straightConnector1">
+            <a:avLst/>
+          </a:prstGeom>
+          <a:ln>
+            <a:solidFill>
+              <a:srgbClr val="685BC8"/>
+            </a:solidFill>
+            <a:tailEnd type="triangle"/>
+          </a:ln>
+        </p:spPr>
+        <p:style>
+          <a:lnRef idx="1">
+            <a:schemeClr val="accent1"/>
+          </a:lnRef>
+          <a:fillRef idx="0">
+            <a:schemeClr val="accent1"/>
+          </a:fillRef>
+          <a:effectRef idx="0">
+            <a:schemeClr val="accent1"/>
+          </a:effectRef>
+          <a:fontRef idx="minor">
+            <a:schemeClr val="tx1"/>
+          </a:fontRef>
+        </p:style>
+      </p:cxnSp>
+      <p:sp>
+        <p:nvSpPr>
+          <p:cNvPr id="7" name="Rounded Rectangle 6">
+            <a:extLst>
+              <a:ext uri="{FF2B5EF4-FFF2-40B4-BE49-F238E27FC236}">
+                <a16:creationId xmlns:a16="http://schemas.microsoft.com/office/drawing/2014/main" id="{12595A52-1546-5D80-244C-66A5600995BA}"/>
+              </a:ext>
+            </a:extLst>
+          </p:cNvPr>
+          <p:cNvSpPr/>
+          <p:nvPr/>
+        </p:nvSpPr>
+        <p:spPr>
+          <a:xfrm>
+            <a:off x="6836229" y="1132114"/>
+            <a:ext cx="4191000" cy="664029"/>
+          </a:xfrm>
+          <a:prstGeom prst="roundRect">
+            <a:avLst/>
+          </a:prstGeom>
+          <a:solidFill>
+            <a:srgbClr val="685BC8"/>
+          </a:solidFill>
+        </p:spPr>
+        <p:style>
+          <a:lnRef idx="2">
+            <a:schemeClr val="accent1">
+              <a:shade val="15000"/>
+            </a:schemeClr>
+          </a:lnRef>
+          <a:fillRef idx="1">
+            <a:schemeClr val="accent1"/>
+          </a:fillRef>
+          <a:effectRef idx="0">
+            <a:schemeClr val="accent1"/>
+          </a:effectRef>
+          <a:fontRef idx="minor">
+            <a:schemeClr val="lt1"/>
+          </a:fontRef>
+        </p:style>
+        <p:txBody>
+          <a:bodyPr rtlCol="0" anchor="ctr"/>
+          <a:lstStyle/>
+          <a:p>
+            <a:pPr algn="ctr"/>
+            <a:r>
+              <a:rPr lang="en-US" dirty="0"/>
+              <a:t>Review the Configuration options</a:t>
+            </a:r>
+          </a:p>
+        </p:txBody>
+      </p:sp>
+      <p:sp>
+        <p:nvSpPr>
+          <p:cNvPr id="8" name="Frame 7">
+            <a:extLst>
+              <a:ext uri="{FF2B5EF4-FFF2-40B4-BE49-F238E27FC236}">
+                <a16:creationId xmlns:a16="http://schemas.microsoft.com/office/drawing/2014/main" id="{497CDF8C-B7E0-3B9A-57BA-277E16901103}"/>
+              </a:ext>
+            </a:extLst>
+          </p:cNvPr>
+          <p:cNvSpPr/>
+          <p:nvPr/>
+        </p:nvSpPr>
+        <p:spPr>
+          <a:xfrm>
+            <a:off x="1687286" y="1164771"/>
+            <a:ext cx="4310743" cy="696686"/>
+          </a:xfrm>
+          <a:prstGeom prst="frame">
+            <a:avLst/>
+          </a:prstGeom>
+          <a:solidFill>
+            <a:srgbClr val="685BC8"/>
+          </a:solidFill>
+          <a:ln>
+            <a:solidFill>
+              <a:srgbClr val="685BC8"/>
+            </a:solidFill>
+          </a:ln>
+        </p:spPr>
+        <p:style>
+          <a:lnRef idx="2">
+            <a:schemeClr val="accent1">
+              <a:shade val="15000"/>
+            </a:schemeClr>
+          </a:lnRef>
+          <a:fillRef idx="1">
+            <a:schemeClr val="accent1"/>
+          </a:fillRef>
+          <a:effectRef idx="0">
+            <a:schemeClr val="accent1"/>
+          </a:effectRef>
+          <a:fontRef idx="minor">
+            <a:schemeClr val="lt1"/>
+          </a:fontRef>
+        </p:style>
+        <p:txBody>
+          <a:bodyPr rtlCol="0" anchor="ctr"/>
+          <a:lstStyle/>
+          <a:p>
+            <a:pPr algn="ctr"/>
+            <a:endParaRPr lang="en-US">
+              <a:solidFill>
+                <a:schemeClr val="tx1"/>
+              </a:solidFill>
+            </a:endParaRPr>
+          </a:p>
+        </p:txBody>
+      </p:sp>
+      <p:cxnSp>
+        <p:nvCxnSpPr>
+          <p:cNvPr id="10" name="Straight Arrow Connector 9">
+            <a:extLst>
+              <a:ext uri="{FF2B5EF4-FFF2-40B4-BE49-F238E27FC236}">
+                <a16:creationId xmlns:a16="http://schemas.microsoft.com/office/drawing/2014/main" id="{55ACA807-FBA8-A2D7-A8FA-5FE6CA44A2D2}"/>
+              </a:ext>
+            </a:extLst>
+          </p:cNvPr>
+          <p:cNvCxnSpPr/>
+          <p:nvPr/>
+        </p:nvCxnSpPr>
+        <p:spPr>
+          <a:xfrm flipH="1">
+            <a:off x="6019800" y="1491343"/>
+            <a:ext cx="816429" cy="0"/>
+          </a:xfrm>
+          <a:prstGeom prst="straightConnector1">
+            <a:avLst/>
+          </a:prstGeom>
+          <a:ln>
+            <a:solidFill>
+              <a:srgbClr val="685BC8"/>
+            </a:solidFill>
+            <a:tailEnd type="triangle"/>
+          </a:ln>
+        </p:spPr>
+        <p:style>
+          <a:lnRef idx="1">
+            <a:schemeClr val="accent1"/>
+          </a:lnRef>
+          <a:fillRef idx="0">
+            <a:schemeClr val="accent1"/>
+          </a:fillRef>
+          <a:effectRef idx="0">
+            <a:schemeClr val="accent1"/>
+          </a:effectRef>
+          <a:fontRef idx="minor">
+            <a:schemeClr val="tx1"/>
+          </a:fontRef>
+        </p:style>
+      </p:cxnSp>
+    </p:spTree>
+    <p:extLst>
+      <p:ext uri="{BB962C8B-B14F-4D97-AF65-F5344CB8AC3E}">
+        <p14:creationId xmlns:p14="http://schemas.microsoft.com/office/powerpoint/2010/main" val="1198031951"/>
+      </p:ext>
+    </p:extLst>
+  </p:cSld>
+  <p:clrMapOvr>
+    <a:masterClrMapping/>
+  </p:clrMapOvr>
+</p:sld>
+</file>
+
+<file path=ppt/slides/slide6.xml><?xml version="1.0" encoding="utf-8"?>
+<p:sld xmlns:a="http://schemas.openxmlformats.org/drawingml/2006/main" xmlns:r="http://schemas.openxmlformats.org/officeDocument/2006/relationships" xmlns:p="http://schemas.openxmlformats.org/presentationml/2006/main">
+  <p:cSld>
+    <p:spTree>
+      <p:nvGrpSpPr>
+        <p:cNvPr id="1" name=""/>
+        <p:cNvGrpSpPr/>
+        <p:nvPr/>
+      </p:nvGrpSpPr>
+      <p:grpSpPr>
+        <a:xfrm>
+          <a:off x="0" y="0"/>
+          <a:ext cx="0" cy="0"/>
+          <a:chOff x="0" y="0"/>
+          <a:chExt cx="0" cy="0"/>
+        </a:xfrm>
+      </p:grpSpPr>
+      <p:pic>
+        <p:nvPicPr>
+          <p:cNvPr id="2" name="Picture 1">
+            <a:extLst>
+              <a:ext uri="{FF2B5EF4-FFF2-40B4-BE49-F238E27FC236}">
+                <a16:creationId xmlns:a16="http://schemas.microsoft.com/office/drawing/2014/main" id="{8DCB9F7C-47BB-8C46-260D-DC30C5EF8D31}"/>
+              </a:ext>
+            </a:extLst>
+          </p:cNvPr>
+          <p:cNvPicPr>
+            <a:picLocks noChangeAspect="1"/>
+          </p:cNvPicPr>
+          <p:nvPr/>
+        </p:nvPicPr>
+        <p:blipFill>
+          <a:blip r:embed="rId2"/>
+          <a:stretch>
+            <a:fillRect/>
+          </a:stretch>
+        </p:blipFill>
+        <p:spPr>
+          <a:xfrm>
+            <a:off x="0" y="0"/>
+            <a:ext cx="12187585" cy="3102429"/>
+          </a:xfrm>
+          <a:prstGeom prst="rect">
+            <a:avLst/>
+          </a:prstGeom>
+        </p:spPr>
+      </p:pic>
+      <p:sp>
+        <p:nvSpPr>
+          <p:cNvPr id="4" name="Frame 3">
+            <a:extLst>
+              <a:ext uri="{FF2B5EF4-FFF2-40B4-BE49-F238E27FC236}">
+                <a16:creationId xmlns:a16="http://schemas.microsoft.com/office/drawing/2014/main" id="{FFF295A6-3D93-4E5D-6B39-1FD093AF9A70}"/>
+              </a:ext>
+            </a:extLst>
+          </p:cNvPr>
+          <p:cNvSpPr/>
+          <p:nvPr/>
+        </p:nvSpPr>
+        <p:spPr>
+          <a:xfrm>
+            <a:off x="1643743" y="1197429"/>
+            <a:ext cx="827314" cy="609600"/>
+          </a:xfrm>
+          <a:prstGeom prst="frame">
+            <a:avLst>
+              <a:gd name="adj1" fmla="val 3571"/>
+            </a:avLst>
+          </a:prstGeom>
+          <a:solidFill>
+            <a:srgbClr val="685BC8"/>
+          </a:solidFill>
+          <a:ln>
+            <a:solidFill>
+              <a:srgbClr val="685BC8"/>
+            </a:solidFill>
+          </a:ln>
+        </p:spPr>
+        <p:style>
+          <a:lnRef idx="2">
+            <a:schemeClr val="accent1">
+              <a:shade val="15000"/>
+            </a:schemeClr>
+          </a:lnRef>
+          <a:fillRef idx="1">
+            <a:schemeClr val="accent1"/>
+          </a:fillRef>
+          <a:effectRef idx="0">
+            <a:schemeClr val="accent1"/>
+          </a:effectRef>
+          <a:fontRef idx="minor">
+            <a:schemeClr val="lt1"/>
+          </a:fontRef>
+        </p:style>
+        <p:txBody>
+          <a:bodyPr rtlCol="0" anchor="ctr"/>
+          <a:lstStyle/>
+          <a:p>
+            <a:pPr algn="ctr"/>
+            <a:endParaRPr lang="en-US">
+              <a:solidFill>
+                <a:schemeClr val="tx1"/>
+              </a:solidFill>
+            </a:endParaRPr>
+          </a:p>
+        </p:txBody>
+      </p:sp>
+      <p:cxnSp>
+        <p:nvCxnSpPr>
+          <p:cNvPr id="6" name="Straight Arrow Connector 5">
+            <a:extLst>
+              <a:ext uri="{FF2B5EF4-FFF2-40B4-BE49-F238E27FC236}">
+                <a16:creationId xmlns:a16="http://schemas.microsoft.com/office/drawing/2014/main" id="{BBAD71A4-5BA8-EF3C-9AA9-2A7760E3213A}"/>
+              </a:ext>
+            </a:extLst>
+          </p:cNvPr>
+          <p:cNvCxnSpPr/>
+          <p:nvPr/>
+        </p:nvCxnSpPr>
+        <p:spPr>
+          <a:xfrm>
+            <a:off x="10537371" y="1959429"/>
+            <a:ext cx="783772" cy="391885"/>
+          </a:xfrm>
+          <a:prstGeom prst="straightConnector1">
+            <a:avLst/>
+          </a:prstGeom>
+          <a:ln>
+            <a:solidFill>
+              <a:srgbClr val="685BC8"/>
+            </a:solidFill>
+            <a:tailEnd type="triangle"/>
+          </a:ln>
+        </p:spPr>
+        <p:style>
+          <a:lnRef idx="1">
+            <a:schemeClr val="accent1"/>
+          </a:lnRef>
+          <a:fillRef idx="0">
+            <a:schemeClr val="accent1"/>
+          </a:fillRef>
+          <a:effectRef idx="0">
+            <a:schemeClr val="accent1"/>
+          </a:effectRef>
+          <a:fontRef idx="minor">
+            <a:schemeClr val="tx1"/>
+          </a:fontRef>
+        </p:style>
+      </p:cxnSp>
+    </p:spTree>
+    <p:extLst>
+      <p:ext uri="{BB962C8B-B14F-4D97-AF65-F5344CB8AC3E}">
+        <p14:creationId xmlns:p14="http://schemas.microsoft.com/office/powerpoint/2010/main" val="3535748415"/>
+      </p:ext>
+    </p:extLst>
+  </p:cSld>
+  <p:clrMapOvr>
+    <a:masterClrMapping/>
+  </p:clrMapOvr>
+</p:sld>
+</file>
+
+<file path=ppt/slides/slide7.xml><?xml version="1.0" encoding="utf-8"?>
+<p:sld xmlns:a="http://schemas.openxmlformats.org/drawingml/2006/main" xmlns:r="http://schemas.openxmlformats.org/officeDocument/2006/relationships" xmlns:p="http://schemas.openxmlformats.org/presentationml/2006/main">
+  <p:cSld>
+    <p:spTree>
+      <p:nvGrpSpPr>
+        <p:cNvPr id="1" name=""/>
+        <p:cNvGrpSpPr/>
+        <p:nvPr/>
+      </p:nvGrpSpPr>
+      <p:grpSpPr>
+        <a:xfrm>
+          <a:off x="0" y="0"/>
+          <a:ext cx="0" cy="0"/>
+          <a:chOff x="0" y="0"/>
+          <a:chExt cx="0" cy="0"/>
+        </a:xfrm>
+      </p:grpSpPr>
+      <p:pic>
+        <p:nvPicPr>
+          <p:cNvPr id="2" name="Picture 1">
+            <a:extLst>
+              <a:ext uri="{FF2B5EF4-FFF2-40B4-BE49-F238E27FC236}">
+                <a16:creationId xmlns:a16="http://schemas.microsoft.com/office/drawing/2014/main" id="{7491F484-4E79-72C9-DEA7-0B0684757473}"/>
+              </a:ext>
+            </a:extLst>
+          </p:cNvPr>
+          <p:cNvPicPr>
+            <a:picLocks noChangeAspect="1"/>
+          </p:cNvPicPr>
+          <p:nvPr/>
+        </p:nvPicPr>
+        <p:blipFill>
+          <a:blip r:embed="rId2"/>
+          <a:stretch>
+            <a:fillRect/>
+          </a:stretch>
+        </p:blipFill>
+        <p:spPr>
+          <a:xfrm>
+            <a:off x="0" y="0"/>
+            <a:ext cx="12192000" cy="4014709"/>
+          </a:xfrm>
+          <a:prstGeom prst="rect">
+            <a:avLst/>
+          </a:prstGeom>
+        </p:spPr>
+      </p:pic>
+      <p:sp>
+        <p:nvSpPr>
+          <p:cNvPr id="3" name="Rounded Rectangle 2">
+            <a:extLst>
+              <a:ext uri="{FF2B5EF4-FFF2-40B4-BE49-F238E27FC236}">
+                <a16:creationId xmlns:a16="http://schemas.microsoft.com/office/drawing/2014/main" id="{1FD82FD2-9D3E-3C4E-8D06-F23D3BAD444F}"/>
+              </a:ext>
+            </a:extLst>
+          </p:cNvPr>
+          <p:cNvSpPr/>
+          <p:nvPr/>
+        </p:nvSpPr>
+        <p:spPr>
+          <a:xfrm>
+            <a:off x="6836229" y="1132114"/>
+            <a:ext cx="4191000" cy="664029"/>
+          </a:xfrm>
+          <a:prstGeom prst="roundRect">
+            <a:avLst/>
+          </a:prstGeom>
+          <a:solidFill>
+            <a:srgbClr val="685BC8"/>
+          </a:solidFill>
+        </p:spPr>
+        <p:style>
+          <a:lnRef idx="2">
+            <a:schemeClr val="accent1">
+              <a:shade val="15000"/>
+            </a:schemeClr>
+          </a:lnRef>
+          <a:fillRef idx="1">
+            <a:schemeClr val="accent1"/>
+          </a:fillRef>
+          <a:effectRef idx="0">
+            <a:schemeClr val="accent1"/>
+          </a:effectRef>
+          <a:fontRef idx="minor">
+            <a:schemeClr val="lt1"/>
+          </a:fontRef>
+        </p:style>
+        <p:txBody>
+          <a:bodyPr rtlCol="0" anchor="ctr"/>
+          <a:lstStyle/>
+          <a:p>
+            <a:pPr algn="ctr"/>
+            <a:r>
+              <a:rPr lang="en-US" dirty="0"/>
+              <a:t>Edit the name filed and then click save</a:t>
+            </a:r>
+          </a:p>
+        </p:txBody>
+      </p:sp>
+      <p:cxnSp>
+        <p:nvCxnSpPr>
+          <p:cNvPr id="5" name="Straight Arrow Connector 4">
+            <a:extLst>
+              <a:ext uri="{FF2B5EF4-FFF2-40B4-BE49-F238E27FC236}">
+                <a16:creationId xmlns:a16="http://schemas.microsoft.com/office/drawing/2014/main" id="{4BB01F8F-E714-8EDC-357E-32A87AC0EED2}"/>
+              </a:ext>
+            </a:extLst>
+          </p:cNvPr>
+          <p:cNvCxnSpPr/>
+          <p:nvPr/>
+        </p:nvCxnSpPr>
+        <p:spPr>
+          <a:xfrm flipH="1">
+            <a:off x="2939143" y="1426029"/>
+            <a:ext cx="3886200" cy="653142"/>
+          </a:xfrm>
+          <a:prstGeom prst="straightConnector1">
+            <a:avLst/>
+          </a:prstGeom>
+          <a:ln>
+            <a:solidFill>
+              <a:srgbClr val="685BC8"/>
+            </a:solidFill>
+            <a:tailEnd type="triangle"/>
+          </a:ln>
+        </p:spPr>
+        <p:style>
+          <a:lnRef idx="1">
+            <a:schemeClr val="accent1"/>
+          </a:lnRef>
+          <a:fillRef idx="0">
+            <a:schemeClr val="accent1"/>
+          </a:fillRef>
+          <a:effectRef idx="0">
+            <a:schemeClr val="accent1"/>
+          </a:effectRef>
+          <a:fontRef idx="minor">
+            <a:schemeClr val="tx1"/>
+          </a:fontRef>
+        </p:style>
+      </p:cxnSp>
+      <p:cxnSp>
+        <p:nvCxnSpPr>
+          <p:cNvPr id="7" name="Straight Arrow Connector 6">
+            <a:extLst>
+              <a:ext uri="{FF2B5EF4-FFF2-40B4-BE49-F238E27FC236}">
+                <a16:creationId xmlns:a16="http://schemas.microsoft.com/office/drawing/2014/main" id="{B89C10EE-686D-7110-3210-857860D1D7CF}"/>
+              </a:ext>
+            </a:extLst>
+          </p:cNvPr>
+          <p:cNvCxnSpPr>
+            <a:stCxn id="3" idx="2"/>
+          </p:cNvCxnSpPr>
+          <p:nvPr/>
+        </p:nvCxnSpPr>
+        <p:spPr>
+          <a:xfrm>
+            <a:off x="8931729" y="1796143"/>
+            <a:ext cx="2683328" cy="1393371"/>
+          </a:xfrm>
+          <a:prstGeom prst="straightConnector1">
+            <a:avLst/>
+          </a:prstGeom>
+          <a:ln>
+            <a:solidFill>
+              <a:srgbClr val="685BC8"/>
+            </a:solidFill>
+            <a:tailEnd type="triangle"/>
+          </a:ln>
+        </p:spPr>
+        <p:style>
+          <a:lnRef idx="1">
+            <a:schemeClr val="accent1"/>
+          </a:lnRef>
+          <a:fillRef idx="0">
+            <a:schemeClr val="accent1"/>
+          </a:fillRef>
+          <a:effectRef idx="0">
+            <a:schemeClr val="accent1"/>
+          </a:effectRef>
+          <a:fontRef idx="minor">
+            <a:schemeClr val="tx1"/>
+          </a:fontRef>
+        </p:style>
+      </p:cxnSp>
+    </p:spTree>
+    <p:extLst>
+      <p:ext uri="{BB962C8B-B14F-4D97-AF65-F5344CB8AC3E}">
+        <p14:creationId xmlns:p14="http://schemas.microsoft.com/office/powerpoint/2010/main" val="696240902"/>
+      </p:ext>
+    </p:extLst>
+  </p:cSld>
+  <p:clrMapOvr>
+    <a:masterClrMapping/>
+  </p:clrMapOvr>
+</p:sld>
+</file>
+
+<file path=ppt/slides/slide8.xml><?xml version="1.0" encoding="utf-8"?>
+<p:sld xmlns:a="http://schemas.openxmlformats.org/drawingml/2006/main" xmlns:r="http://schemas.openxmlformats.org/officeDocument/2006/relationships" xmlns:p="http://schemas.openxmlformats.org/presentationml/2006/main">
+  <p:cSld>
+    <p:spTree>
+      <p:nvGrpSpPr>
+        <p:cNvPr id="1" name=""/>
+        <p:cNvGrpSpPr/>
+        <p:nvPr/>
+      </p:nvGrpSpPr>
+      <p:grpSpPr>
+        <a:xfrm>
+          <a:off x="0" y="0"/>
+          <a:ext cx="0" cy="0"/>
+          <a:chOff x="0" y="0"/>
+          <a:chExt cx="0" cy="0"/>
+        </a:xfrm>
+      </p:grpSpPr>
+      <p:pic>
+        <p:nvPicPr>
+          <p:cNvPr id="2" name="Picture 1">
+            <a:extLst>
+              <a:ext uri="{FF2B5EF4-FFF2-40B4-BE49-F238E27FC236}">
+                <a16:creationId xmlns:a16="http://schemas.microsoft.com/office/drawing/2014/main" id="{77D2C123-B9CD-8699-9FBA-1F7F220188E1}"/>
+              </a:ext>
+            </a:extLst>
+          </p:cNvPr>
+          <p:cNvPicPr>
+            <a:picLocks noChangeAspect="1"/>
+          </p:cNvPicPr>
+          <p:nvPr/>
+        </p:nvPicPr>
+        <p:blipFill>
+          <a:blip r:embed="rId2"/>
+          <a:stretch>
+            <a:fillRect/>
+          </a:stretch>
+        </p:blipFill>
+        <p:spPr>
+          <a:xfrm>
+            <a:off x="0" y="0"/>
+            <a:ext cx="12177904" cy="3352800"/>
+          </a:xfrm>
+          <a:prstGeom prst="rect">
+            <a:avLst/>
+          </a:prstGeom>
+        </p:spPr>
+      </p:pic>
+      <p:sp>
+        <p:nvSpPr>
+          <p:cNvPr id="3" name="Frame 2">
+            <a:extLst>
+              <a:ext uri="{FF2B5EF4-FFF2-40B4-BE49-F238E27FC236}">
+                <a16:creationId xmlns:a16="http://schemas.microsoft.com/office/drawing/2014/main" id="{18654CF1-F995-504F-13C1-8DD608A1701D}"/>
+              </a:ext>
+            </a:extLst>
+          </p:cNvPr>
+          <p:cNvSpPr/>
+          <p:nvPr/>
+        </p:nvSpPr>
+        <p:spPr>
+          <a:xfrm>
+            <a:off x="1654629" y="2002971"/>
+            <a:ext cx="1948542" cy="729343"/>
+          </a:xfrm>
+          <a:prstGeom prst="frame">
+            <a:avLst>
+              <a:gd name="adj1" fmla="val 3545"/>
+            </a:avLst>
+          </a:prstGeom>
+          <a:solidFill>
+            <a:srgbClr val="685BC8"/>
+          </a:solidFill>
+          <a:ln>
+            <a:solidFill>
+              <a:srgbClr val="685BC8"/>
+            </a:solidFill>
+          </a:ln>
+        </p:spPr>
+        <p:style>
+          <a:lnRef idx="2">
+            <a:schemeClr val="accent1">
+              <a:shade val="15000"/>
+            </a:schemeClr>
+          </a:lnRef>
+          <a:fillRef idx="1">
+            <a:schemeClr val="accent1"/>
+          </a:fillRef>
+          <a:effectRef idx="0">
+            <a:schemeClr val="accent1"/>
+          </a:effectRef>
+          <a:fontRef idx="minor">
+            <a:schemeClr val="lt1"/>
+          </a:fontRef>
+        </p:style>
+        <p:txBody>
+          <a:bodyPr rtlCol="0" anchor="ctr"/>
+          <a:lstStyle/>
+          <a:p>
+            <a:pPr algn="ctr"/>
+            <a:endParaRPr lang="en-US">
+              <a:solidFill>
+                <a:schemeClr val="tx1"/>
+              </a:solidFill>
+            </a:endParaRPr>
+          </a:p>
+        </p:txBody>
+      </p:sp>
+    </p:spTree>
+    <p:extLst>
+      <p:ext uri="{BB962C8B-B14F-4D97-AF65-F5344CB8AC3E}">
+        <p14:creationId xmlns:p14="http://schemas.microsoft.com/office/powerpoint/2010/main" val="2309112888"/>
+      </p:ext>
+    </p:extLst>
+  </p:cSld>
+  <p:clrMapOvr>
+    <a:masterClrMapping/>
+  </p:clrMapOvr>
+</p:sld>
+</file>
+
+<file path=ppt/slides/slide9.xml><?xml version="1.0" encoding="utf-8"?>
+<p:sld xmlns:a="http://schemas.openxmlformats.org/drawingml/2006/main" xmlns:r="http://schemas.openxmlformats.org/officeDocument/2006/relationships" xmlns:p="http://schemas.openxmlformats.org/presentationml/2006/main">
+  <p:cSld>
+    <p:spTree>
+      <p:nvGrpSpPr>
+        <p:cNvPr id="1" name=""/>
+        <p:cNvGrpSpPr/>
+        <p:nvPr/>
+      </p:nvGrpSpPr>
+      <p:grpSpPr>
+        <a:xfrm>
+          <a:off x="0" y="0"/>
+          <a:ext cx="0" cy="0"/>
+          <a:chOff x="0" y="0"/>
+          <a:chExt cx="0" cy="0"/>
+        </a:xfrm>
+      </p:grpSpPr>
+      <p:pic>
+        <p:nvPicPr>
+          <p:cNvPr id="2" name="Picture 1">
+            <a:extLst>
+              <a:ext uri="{FF2B5EF4-FFF2-40B4-BE49-F238E27FC236}">
+                <a16:creationId xmlns:a16="http://schemas.microsoft.com/office/drawing/2014/main" id="{5FB000A2-3D39-B7F9-3A01-050A46196E05}"/>
+              </a:ext>
+            </a:extLst>
+          </p:cNvPr>
+          <p:cNvPicPr>
+            <a:picLocks noChangeAspect="1"/>
+          </p:cNvPicPr>
+          <p:nvPr/>
+        </p:nvPicPr>
+        <p:blipFill>
+          <a:blip r:embed="rId2"/>
+          <a:stretch>
+            <a:fillRect/>
+          </a:stretch>
+        </p:blipFill>
+        <p:spPr>
+          <a:xfrm>
+            <a:off x="4591050" y="1054100"/>
+            <a:ext cx="3009900" cy="4749800"/>
+          </a:xfrm>
+          <a:prstGeom prst="rect">
+            <a:avLst/>
+          </a:prstGeom>
+        </p:spPr>
+      </p:pic>
+      <p:sp>
+        <p:nvSpPr>
+          <p:cNvPr id="3" name="Frame 2">
+            <a:extLst>
+              <a:ext uri="{FF2B5EF4-FFF2-40B4-BE49-F238E27FC236}">
+                <a16:creationId xmlns:a16="http://schemas.microsoft.com/office/drawing/2014/main" id="{AFCE05AA-B930-2431-2517-60AAE600B86E}"/>
+              </a:ext>
+            </a:extLst>
+          </p:cNvPr>
+          <p:cNvSpPr/>
+          <p:nvPr/>
+        </p:nvSpPr>
+        <p:spPr>
+          <a:xfrm>
+            <a:off x="4746171" y="3026229"/>
+            <a:ext cx="2754086" cy="2046514"/>
+          </a:xfrm>
+          <a:prstGeom prst="frame">
+            <a:avLst>
+              <a:gd name="adj1" fmla="val 3989"/>
+            </a:avLst>
+          </a:prstGeom>
+          <a:solidFill>
+            <a:srgbClr val="685BC8"/>
+          </a:solidFill>
+        </p:spPr>
+        <p:style>
+          <a:lnRef idx="2">
+            <a:schemeClr val="accent1">
+              <a:shade val="15000"/>
+            </a:schemeClr>
+          </a:lnRef>
+          <a:fillRef idx="1">
+            <a:schemeClr val="accent1"/>
+          </a:fillRef>
+          <a:effectRef idx="0">
+            <a:schemeClr val="accent1"/>
+          </a:effectRef>
+          <a:fontRef idx="minor">
+            <a:schemeClr val="lt1"/>
+          </a:fontRef>
+        </p:style>
+        <p:txBody>
+          <a:bodyPr rtlCol="0" anchor="ctr"/>
+          <a:lstStyle/>
+          <a:p>
+            <a:pPr algn="ctr"/>
+            <a:endParaRPr lang="en-US">
+              <a:solidFill>
+                <a:schemeClr val="tx1"/>
+              </a:solidFill>
+            </a:endParaRPr>
+          </a:p>
+        </p:txBody>
+      </p:sp>
+    </p:spTree>
+    <p:extLst>
+      <p:ext uri="{BB962C8B-B14F-4D97-AF65-F5344CB8AC3E}">
+        <p14:creationId xmlns:p14="http://schemas.microsoft.com/office/powerpoint/2010/main" val="3790352489"/>
       </p:ext>
     </p:extLst>
   </p:cSld>
